--- a/cusppt/hadoop.pptx
+++ b/cusppt/hadoop.pptx
@@ -10527,11 +10527,7 @@
             </a:r>
             <a:r>
               <a:rPr lang="en-US" altLang="zh-CN"/>
-              <a:t>IO</a:t>
-            </a:r>
-            <a:r>
-              <a:rPr lang="en-US" altLang="zh-CN"/>
-              <a:t>)</a:t>
+              <a:t>IO)</a:t>
             </a:r>
             <a:endParaRPr lang="en-US" altLang="zh-CN"/>
           </a:p>
@@ -10559,11 +10555,7 @@
             </a:r>
             <a:r>
               <a:rPr lang="en-US" altLang="zh-CN"/>
-              <a:t>IO</a:t>
-            </a:r>
-            <a:r>
-              <a:rPr lang="en-US" altLang="zh-CN"/>
-              <a:t>)</a:t>
+              <a:t>IO)</a:t>
             </a:r>
             <a:endParaRPr lang="en-US" altLang="zh-CN"/>
           </a:p>
@@ -12811,11 +12803,7 @@
             </a:r>
             <a:r>
               <a:rPr lang="en-US" altLang="zh-CN"/>
-              <a:t>text, sequece file</a:t>
-            </a:r>
-            <a:r>
-              <a:rPr lang="en-US" altLang="zh-CN"/>
-              <a:t>)</a:t>
+              <a:t>text, sequece file)</a:t>
             </a:r>
             <a:endParaRPr lang="en-US" altLang="zh-CN"/>
           </a:p>
@@ -12871,11 +12859,7 @@
             </a:r>
             <a:r>
               <a:rPr lang="en-US" altLang="zh-CN"/>
-              <a:t>ORCFile, Parquet</a:t>
-            </a:r>
-            <a:r>
-              <a:rPr lang="en-US" altLang="zh-CN"/>
-              <a:t>)</a:t>
+              <a:t>ORCFile, Parquet)</a:t>
             </a:r>
             <a:endParaRPr lang="en-US" altLang="zh-CN"/>
           </a:p>
@@ -13063,11 +13047,7 @@
             </a:r>
             <a:r>
               <a:rPr lang="en-US" altLang="zh-CN"/>
-              <a:t>1</a:t>
-            </a:r>
-            <a:r>
-              <a:rPr lang="en-US" altLang="zh-CN"/>
-              <a:t>)</a:t>
+              <a:t>1)</a:t>
             </a:r>
             <a:endParaRPr lang="en-US" altLang="zh-CN"/>
           </a:p>
@@ -13091,11 +13071,7 @@
             </a:r>
             <a:r>
               <a:rPr lang="en-US" altLang="zh-CN"/>
-              <a:t>1</a:t>
-            </a:r>
-            <a:r>
-              <a:rPr lang="en-US" altLang="zh-CN"/>
-              <a:t>)</a:t>
+              <a:t>1)</a:t>
             </a:r>
             <a:endParaRPr lang="en-US" altLang="zh-CN"/>
           </a:p>
@@ -13930,7 +13906,11 @@
             </a:pPr>
             <a:r>
               <a:rPr lang="zh-CN" altLang="en-US"/>
-              <a:t>自带里多种多用户调度器，适合共享集群环境</a:t>
+              <a:t>自带了</a:t>
+            </a:r>
+            <a:r>
+              <a:rPr lang="zh-CN" altLang="en-US"/>
+              <a:t>多种多用户调度器，适合共享集群环境</a:t>
             </a:r>
             <a:endParaRPr lang="zh-CN" altLang="en-US"/>
           </a:p>
@@ -14484,7 +14464,11 @@
             </a:r>
             <a:r>
               <a:rPr lang="zh-CN" altLang="en-US"/>
-              <a:t>写数据</a:t>
+              <a:t>读</a:t>
+            </a:r>
+            <a:r>
+              <a:rPr lang="zh-CN" altLang="en-US"/>
+              <a:t>流程</a:t>
             </a:r>
             <a:endParaRPr lang="zh-CN" altLang="en-US"/>
           </a:p>
@@ -14492,7 +14476,7 @@
       </p:sp>
       <p:pic>
         <p:nvPicPr>
-          <p:cNvPr id="4" name="内容占位符 3"/>
+          <p:cNvPr id="5" name="内容占位符 4"/>
           <p:cNvPicPr>
             <a:picLocks noChangeAspect="1"/>
           </p:cNvPicPr>
@@ -14508,8 +14492,8 @@
         </p:blipFill>
         <p:spPr>
           <a:xfrm>
-            <a:off x="1018540" y="1122680"/>
-            <a:ext cx="9008745" cy="5369560"/>
+            <a:off x="1482725" y="1282700"/>
+            <a:ext cx="8612505" cy="5108575"/>
           </a:xfrm>
           <a:prstGeom prst="rect">
             <a:avLst/>
@@ -14826,7 +14810,11 @@
             <a:pPr lvl="1"/>
             <a:r>
               <a:rPr lang="zh-CN" altLang="en-US"/>
-              <a:t>一个节点的内存上有限的</a:t>
+              <a:t>一个节点的内存是</a:t>
+            </a:r>
+            <a:r>
+              <a:rPr lang="zh-CN" altLang="en-US"/>
+              <a:t>有限的</a:t>
             </a:r>
             <a:endParaRPr lang="zh-CN" altLang="en-US"/>
           </a:p>
